--- a/文件/ppt/簡報.pptx
+++ b/文件/ppt/簡報.pptx
@@ -18,11 +18,11 @@
     <p:sldId id="269" r:id="rId9"/>
     <p:sldId id="284" r:id="rId10"/>
     <p:sldId id="318" r:id="rId11"/>
-    <p:sldId id="322" r:id="rId12"/>
+    <p:sldId id="327" r:id="rId12"/>
     <p:sldId id="324" r:id="rId13"/>
     <p:sldId id="323" r:id="rId14"/>
-    <p:sldId id="285" r:id="rId15"/>
-    <p:sldId id="286" r:id="rId16"/>
+    <p:sldId id="325" r:id="rId15"/>
+    <p:sldId id="326" r:id="rId16"/>
     <p:sldId id="271" r:id="rId17"/>
     <p:sldId id="287" r:id="rId18"/>
     <p:sldId id="288" r:id="rId19"/>
@@ -519,6 +519,489 @@
     </a:lvl9pPr>
   </p:notesStyle>
 </p:notesMaster>
+</file>
+
+<file path=ppt/notesSlides/notesSlide1.xml><?xml version="1.0" encoding="utf-8"?>
+<p:notes xmlns:a="http://schemas.openxmlformats.org/drawingml/2006/main" xmlns:r="http://schemas.openxmlformats.org/officeDocument/2006/relationships" xmlns:p="http://schemas.openxmlformats.org/presentationml/2006/main">
+  <p:cSld>
+    <p:spTree>
+      <p:nvGrpSpPr>
+        <p:cNvPr id="1" name=""/>
+        <p:cNvGrpSpPr/>
+        <p:nvPr/>
+      </p:nvGrpSpPr>
+      <p:grpSpPr>
+        <a:xfrm>
+          <a:off x="0" y="0"/>
+          <a:ext cx="0" cy="0"/>
+          <a:chOff x="0" y="0"/>
+          <a:chExt cx="0" cy="0"/>
+        </a:xfrm>
+      </p:grpSpPr>
+      <p:sp>
+        <p:nvSpPr>
+          <p:cNvPr id="2" name="投影片影像版面配置區 1"/>
+          <p:cNvSpPr>
+            <a:spLocks noGrp="1" noRot="1" noChangeAspect="1"/>
+          </p:cNvSpPr>
+          <p:nvPr>
+            <p:ph type="sldImg"/>
+          </p:nvPr>
+        </p:nvSpPr>
+        <p:spPr/>
+      </p:sp>
+      <p:sp>
+        <p:nvSpPr>
+          <p:cNvPr id="3" name="備忘稿版面配置區 2"/>
+          <p:cNvSpPr>
+            <a:spLocks noGrp="1"/>
+          </p:cNvSpPr>
+          <p:nvPr>
+            <p:ph type="body" idx="1"/>
+          </p:nvPr>
+        </p:nvSpPr>
+        <p:spPr/>
+        <p:txBody>
+          <a:bodyPr/>
+          <a:lstStyle/>
+          <a:p>
+            <a:r>
+              <a:rPr lang="en-US" altLang="zh-TW" dirty="0"/>
+              <a:t>Central Visual Pathway</a:t>
+            </a:r>
+            <a:r>
+              <a:rPr lang="zh-TW" altLang="en-US" dirty="0"/>
+              <a:t> 為 眼睛接受外部資訊到大腦感知外部影像的路徑</a:t>
+            </a:r>
+            <a:endParaRPr lang="en-US" altLang="zh-TW" dirty="0"/>
+          </a:p>
+          <a:p>
+            <a:endParaRPr lang="en-US" altLang="zh-TW" dirty="0"/>
+          </a:p>
+          <a:p>
+            <a:r>
+              <a:rPr lang="zh-TW" altLang="en-US" dirty="0"/>
+              <a:t>書</a:t>
+            </a:r>
+            <a:r>
+              <a:rPr lang="en-US" altLang="zh-TW" dirty="0"/>
+              <a:t>:</a:t>
+            </a:r>
+            <a:r>
+              <a:rPr lang="zh-TW" altLang="en-US" dirty="0"/>
+              <a:t> </a:t>
+            </a:r>
+            <a:r>
+              <a:rPr lang="en-US" altLang="zh-TW" dirty="0"/>
+              <a:t>Neuroscience, 3rd ed</a:t>
+            </a:r>
+          </a:p>
+          <a:p>
+            <a:endParaRPr lang="en-US" altLang="zh-TW" dirty="0"/>
+          </a:p>
+          <a:p>
+            <a:r>
+              <a:rPr lang="zh-TW" altLang="en-US" dirty="0"/>
+              <a:t>彩色影像從視網膜進入後會送入外 膝體，外膝體在收到兩側眼球的資訊後會將不同的資訊平行傳輸至不同 的視覺皮層，視覺皮層則負責對這些資訊進行分層的整合與感知。</a:t>
+            </a:r>
+          </a:p>
+        </p:txBody>
+      </p:sp>
+      <p:sp>
+        <p:nvSpPr>
+          <p:cNvPr id="4" name="投影片編號版面配置區 3"/>
+          <p:cNvSpPr>
+            <a:spLocks noGrp="1"/>
+          </p:cNvSpPr>
+          <p:nvPr>
+            <p:ph type="sldNum" sz="quarter" idx="5"/>
+          </p:nvPr>
+        </p:nvSpPr>
+        <p:spPr/>
+        <p:txBody>
+          <a:bodyPr/>
+          <a:lstStyle/>
+          <a:p>
+            <a:fld id="{11E540BD-4D62-42AA-84E2-68A1E10CED05}" type="slidenum">
+              <a:rPr lang="zh-TW" altLang="en-US" smtClean="0"/>
+              <a:t>9</a:t>
+            </a:fld>
+            <a:endParaRPr lang="zh-TW" altLang="en-US"/>
+          </a:p>
+        </p:txBody>
+      </p:sp>
+    </p:spTree>
+    <p:extLst>
+      <p:ext uri="{BB962C8B-B14F-4D97-AF65-F5344CB8AC3E}">
+        <p14:creationId xmlns:p14="http://schemas.microsoft.com/office/powerpoint/2010/main" val="3973810153"/>
+      </p:ext>
+    </p:extLst>
+  </p:cSld>
+  <p:clrMapOvr>
+    <a:masterClrMapping/>
+  </p:clrMapOvr>
+</p:notes>
+</file>
+
+<file path=ppt/notesSlides/notesSlide2.xml><?xml version="1.0" encoding="utf-8"?>
+<p:notes xmlns:a="http://schemas.openxmlformats.org/drawingml/2006/main" xmlns:r="http://schemas.openxmlformats.org/officeDocument/2006/relationships" xmlns:p="http://schemas.openxmlformats.org/presentationml/2006/main">
+  <p:cSld>
+    <p:spTree>
+      <p:nvGrpSpPr>
+        <p:cNvPr id="1" name=""/>
+        <p:cNvGrpSpPr/>
+        <p:nvPr/>
+      </p:nvGrpSpPr>
+      <p:grpSpPr>
+        <a:xfrm>
+          <a:off x="0" y="0"/>
+          <a:ext cx="0" cy="0"/>
+          <a:chOff x="0" y="0"/>
+          <a:chExt cx="0" cy="0"/>
+        </a:xfrm>
+      </p:grpSpPr>
+      <p:sp>
+        <p:nvSpPr>
+          <p:cNvPr id="2" name="投影片影像版面配置區 1"/>
+          <p:cNvSpPr>
+            <a:spLocks noGrp="1" noRot="1" noChangeAspect="1"/>
+          </p:cNvSpPr>
+          <p:nvPr>
+            <p:ph type="sldImg"/>
+          </p:nvPr>
+        </p:nvSpPr>
+        <p:spPr/>
+      </p:sp>
+      <p:sp>
+        <p:nvSpPr>
+          <p:cNvPr id="3" name="備忘稿版面配置區 2"/>
+          <p:cNvSpPr>
+            <a:spLocks noGrp="1"/>
+          </p:cNvSpPr>
+          <p:nvPr>
+            <p:ph type="body" idx="1"/>
+          </p:nvPr>
+        </p:nvSpPr>
+        <p:spPr/>
+        <p:txBody>
+          <a:bodyPr/>
+          <a:lstStyle/>
+          <a:p>
+            <a:r>
+              <a:rPr lang="zh-TW" altLang="en-US" dirty="0"/>
+              <a:t>外界事物將光反射進入眼睛當中，透過眼珠中的角膜與水晶體等透明的光學介質進行折射最終聚焦於視網膜表面的感光層上形成影像。</a:t>
+            </a:r>
+            <a:endParaRPr lang="en-US" altLang="zh-TW" dirty="0"/>
+          </a:p>
+          <a:p>
+            <a:r>
+              <a:rPr lang="zh-TW" altLang="en-US" dirty="0"/>
+              <a:t>在 光聚焦於視網膜表層時，視網膜會將光轉換成動作電位並透過視神經傳 輸至外膝體</a:t>
+            </a:r>
+            <a:endParaRPr lang="en-US" altLang="zh-TW" dirty="0"/>
+          </a:p>
+          <a:p>
+            <a:r>
+              <a:rPr lang="zh-TW" altLang="en-US" dirty="0"/>
+              <a:t>右下角的圖為視網膜的層集架構，由外到內，分別是由感光細胞組成的</a:t>
+            </a:r>
+            <a:r>
+              <a:rPr lang="en-US" altLang="zh-TW" dirty="0"/>
+              <a:t>Outer nuclear layer</a:t>
+            </a:r>
+            <a:r>
+              <a:rPr lang="zh-TW" altLang="en-US" dirty="0"/>
+              <a:t>， </a:t>
+            </a:r>
+            <a:endParaRPr lang="en-US" altLang="zh-TW" dirty="0"/>
+          </a:p>
+          <a:p>
+            <a:r>
+              <a:rPr lang="zh-TW" altLang="en-US" dirty="0"/>
+              <a:t>由水平細胞組成的</a:t>
+            </a:r>
+            <a:r>
+              <a:rPr lang="en-US" altLang="zh-TW" dirty="0"/>
+              <a:t>Outer plexiform layer</a:t>
+            </a:r>
+            <a:r>
+              <a:rPr lang="zh-TW" altLang="en-US" dirty="0"/>
+              <a:t>，</a:t>
+            </a:r>
+            <a:endParaRPr lang="en-US" altLang="zh-TW" dirty="0"/>
+          </a:p>
+          <a:p>
+            <a:r>
+              <a:rPr lang="zh-TW" altLang="en-US" dirty="0"/>
+              <a:t>由雙級細胞組成的</a:t>
+            </a:r>
+            <a:r>
+              <a:rPr lang="en-US" altLang="zh-TW" dirty="0"/>
+              <a:t>Inner nuclear, </a:t>
+            </a:r>
+          </a:p>
+          <a:p>
+            <a:r>
+              <a:rPr lang="zh-TW" altLang="en-US" dirty="0"/>
+              <a:t>雙極細胞和神經節細胞的圖處組成的</a:t>
+            </a:r>
+            <a:r>
+              <a:rPr lang="en-US" altLang="zh-TW" dirty="0"/>
+              <a:t>Inner plexiform layer</a:t>
+            </a:r>
+            <a:r>
+              <a:rPr lang="zh-TW" altLang="en-US" dirty="0"/>
+              <a:t>，</a:t>
+            </a:r>
+          </a:p>
+        </p:txBody>
+      </p:sp>
+      <p:sp>
+        <p:nvSpPr>
+          <p:cNvPr id="4" name="投影片編號版面配置區 3"/>
+          <p:cNvSpPr>
+            <a:spLocks noGrp="1"/>
+          </p:cNvSpPr>
+          <p:nvPr>
+            <p:ph type="sldNum" sz="quarter" idx="5"/>
+          </p:nvPr>
+        </p:nvSpPr>
+        <p:spPr/>
+        <p:txBody>
+          <a:bodyPr/>
+          <a:lstStyle/>
+          <a:p>
+            <a:fld id="{11E540BD-4D62-42AA-84E2-68A1E10CED05}" type="slidenum">
+              <a:rPr lang="zh-TW" altLang="en-US" smtClean="0"/>
+              <a:t>10</a:t>
+            </a:fld>
+            <a:endParaRPr lang="zh-TW" altLang="en-US"/>
+          </a:p>
+        </p:txBody>
+      </p:sp>
+    </p:spTree>
+    <p:extLst>
+      <p:ext uri="{BB962C8B-B14F-4D97-AF65-F5344CB8AC3E}">
+        <p14:creationId xmlns:p14="http://schemas.microsoft.com/office/powerpoint/2010/main" val="4020282180"/>
+      </p:ext>
+    </p:extLst>
+  </p:cSld>
+  <p:clrMapOvr>
+    <a:masterClrMapping/>
+  </p:clrMapOvr>
+</p:notes>
+</file>
+
+<file path=ppt/notesSlides/notesSlide3.xml><?xml version="1.0" encoding="utf-8"?>
+<p:notes xmlns:a="http://schemas.openxmlformats.org/drawingml/2006/main" xmlns:r="http://schemas.openxmlformats.org/officeDocument/2006/relationships" xmlns:p="http://schemas.openxmlformats.org/presentationml/2006/main">
+  <p:cSld>
+    <p:spTree>
+      <p:nvGrpSpPr>
+        <p:cNvPr id="1" name=""/>
+        <p:cNvGrpSpPr/>
+        <p:nvPr/>
+      </p:nvGrpSpPr>
+      <p:grpSpPr>
+        <a:xfrm>
+          <a:off x="0" y="0"/>
+          <a:ext cx="0" cy="0"/>
+          <a:chOff x="0" y="0"/>
+          <a:chExt cx="0" cy="0"/>
+        </a:xfrm>
+      </p:grpSpPr>
+      <p:sp>
+        <p:nvSpPr>
+          <p:cNvPr id="2" name="投影片影像版面配置區 1"/>
+          <p:cNvSpPr>
+            <a:spLocks noGrp="1" noRot="1" noChangeAspect="1"/>
+          </p:cNvSpPr>
+          <p:nvPr>
+            <p:ph type="sldImg"/>
+          </p:nvPr>
+        </p:nvSpPr>
+        <p:spPr/>
+      </p:sp>
+      <p:sp>
+        <p:nvSpPr>
+          <p:cNvPr id="3" name="備忘稿版面配置區 2"/>
+          <p:cNvSpPr>
+            <a:spLocks noGrp="1"/>
+          </p:cNvSpPr>
+          <p:nvPr>
+            <p:ph type="body" idx="1"/>
+          </p:nvPr>
+        </p:nvSpPr>
+        <p:spPr/>
+        <p:txBody>
+          <a:bodyPr/>
+          <a:lstStyle/>
+          <a:p>
+            <a:r>
+              <a:rPr lang="zh-TW" altLang="en-US" dirty="0"/>
+              <a:t>外界事物將光反射進入眼睛當中，透過眼珠中的角膜與水晶體等透明的光學介質進行折射最終聚焦於視網膜表面的感光層上形成影像。</a:t>
+            </a:r>
+            <a:endParaRPr lang="en-US" altLang="zh-TW" dirty="0"/>
+          </a:p>
+          <a:p>
+            <a:r>
+              <a:rPr lang="zh-TW" altLang="en-US" dirty="0"/>
+              <a:t>在 光聚焦於視網膜表層時，視網膜會將光轉換成動作電位並透過視神經傳 輸至外膝體</a:t>
+            </a:r>
+            <a:endParaRPr lang="en-US" altLang="zh-TW" dirty="0"/>
+          </a:p>
+          <a:p>
+            <a:r>
+              <a:rPr lang="zh-TW" altLang="en-US" dirty="0"/>
+              <a:t>右下角的圖為視網膜的層集架構，由外到內，分別是由</a:t>
+            </a:r>
+          </a:p>
+        </p:txBody>
+      </p:sp>
+      <p:sp>
+        <p:nvSpPr>
+          <p:cNvPr id="4" name="投影片編號版面配置區 3"/>
+          <p:cNvSpPr>
+            <a:spLocks noGrp="1"/>
+          </p:cNvSpPr>
+          <p:nvPr>
+            <p:ph type="sldNum" sz="quarter" idx="5"/>
+          </p:nvPr>
+        </p:nvSpPr>
+        <p:spPr/>
+        <p:txBody>
+          <a:bodyPr/>
+          <a:lstStyle/>
+          <a:p>
+            <a:fld id="{11E540BD-4D62-42AA-84E2-68A1E10CED05}" type="slidenum">
+              <a:rPr lang="zh-TW" altLang="en-US" smtClean="0"/>
+              <a:t>11</a:t>
+            </a:fld>
+            <a:endParaRPr lang="zh-TW" altLang="en-US"/>
+          </a:p>
+        </p:txBody>
+      </p:sp>
+    </p:spTree>
+    <p:extLst>
+      <p:ext uri="{BB962C8B-B14F-4D97-AF65-F5344CB8AC3E}">
+        <p14:creationId xmlns:p14="http://schemas.microsoft.com/office/powerpoint/2010/main" val="3795915134"/>
+      </p:ext>
+    </p:extLst>
+  </p:cSld>
+  <p:clrMapOvr>
+    <a:masterClrMapping/>
+  </p:clrMapOvr>
+</p:notes>
+</file>
+
+<file path=ppt/notesSlides/notesSlide4.xml><?xml version="1.0" encoding="utf-8"?>
+<p:notes xmlns:a="http://schemas.openxmlformats.org/drawingml/2006/main" xmlns:r="http://schemas.openxmlformats.org/officeDocument/2006/relationships" xmlns:p="http://schemas.openxmlformats.org/presentationml/2006/main">
+  <p:cSld>
+    <p:spTree>
+      <p:nvGrpSpPr>
+        <p:cNvPr id="1" name=""/>
+        <p:cNvGrpSpPr/>
+        <p:nvPr/>
+      </p:nvGrpSpPr>
+      <p:grpSpPr>
+        <a:xfrm>
+          <a:off x="0" y="0"/>
+          <a:ext cx="0" cy="0"/>
+          <a:chOff x="0" y="0"/>
+          <a:chExt cx="0" cy="0"/>
+        </a:xfrm>
+      </p:grpSpPr>
+      <p:sp>
+        <p:nvSpPr>
+          <p:cNvPr id="2" name="投影片影像版面配置區 1"/>
+          <p:cNvSpPr>
+            <a:spLocks noGrp="1" noRot="1" noChangeAspect="1"/>
+          </p:cNvSpPr>
+          <p:nvPr>
+            <p:ph type="sldImg"/>
+          </p:nvPr>
+        </p:nvSpPr>
+        <p:spPr/>
+      </p:sp>
+      <p:sp>
+        <p:nvSpPr>
+          <p:cNvPr id="3" name="備忘稿版面配置區 2"/>
+          <p:cNvSpPr>
+            <a:spLocks noGrp="1"/>
+          </p:cNvSpPr>
+          <p:nvPr>
+            <p:ph type="body" idx="1"/>
+          </p:nvPr>
+        </p:nvSpPr>
+        <p:spPr/>
+        <p:txBody>
+          <a:bodyPr/>
+          <a:lstStyle/>
+          <a:p>
+            <a:r>
+              <a:rPr lang="en-US" altLang="zh-TW" dirty="0"/>
+              <a:t>1.</a:t>
+            </a:r>
+            <a:r>
+              <a:rPr lang="zh-TW" altLang="en-US" dirty="0"/>
+              <a:t> 根據 </a:t>
+            </a:r>
+            <a:r>
+              <a:rPr lang="en-US" altLang="zh-TW" dirty="0"/>
+              <a:t>E. R. </a:t>
+            </a:r>
+            <a:r>
+              <a:rPr lang="en-US" altLang="zh-TW" dirty="0" err="1"/>
+              <a:t>Kande</a:t>
+            </a:r>
+            <a:r>
+              <a:rPr lang="zh-TW" altLang="en-US" dirty="0"/>
+              <a:t> 在</a:t>
+            </a:r>
+            <a:r>
+              <a:rPr lang="en-US" altLang="zh-TW" dirty="0"/>
+              <a:t>Principles of Neural Science, 6e</a:t>
+            </a:r>
+            <a:r>
+              <a:rPr lang="zh-TW" altLang="en-US" dirty="0"/>
+              <a:t>中的說明，人類的大腦中皮質以分層結構 存在的</a:t>
+            </a:r>
+          </a:p>
+        </p:txBody>
+      </p:sp>
+      <p:sp>
+        <p:nvSpPr>
+          <p:cNvPr id="4" name="投影片編號版面配置區 3"/>
+          <p:cNvSpPr>
+            <a:spLocks noGrp="1"/>
+          </p:cNvSpPr>
+          <p:nvPr>
+            <p:ph type="sldNum" sz="quarter" idx="5"/>
+          </p:nvPr>
+        </p:nvSpPr>
+        <p:spPr/>
+        <p:txBody>
+          <a:bodyPr/>
+          <a:lstStyle/>
+          <a:p>
+            <a:fld id="{11E540BD-4D62-42AA-84E2-68A1E10CED05}" type="slidenum">
+              <a:rPr lang="zh-TW" altLang="en-US" smtClean="0"/>
+              <a:t>14</a:t>
+            </a:fld>
+            <a:endParaRPr lang="zh-TW" altLang="en-US"/>
+          </a:p>
+        </p:txBody>
+      </p:sp>
+    </p:spTree>
+    <p:extLst>
+      <p:ext uri="{BB962C8B-B14F-4D97-AF65-F5344CB8AC3E}">
+        <p14:creationId xmlns:p14="http://schemas.microsoft.com/office/powerpoint/2010/main" val="117837815"/>
+      </p:ext>
+    </p:extLst>
+  </p:cSld>
+  <p:clrMapOvr>
+    <a:masterClrMapping/>
+  </p:clrMapOvr>
+</p:notes>
 </file>
 
 <file path=ppt/slideLayouts/slideLayout1.xml><?xml version="1.0" encoding="utf-8"?>
@@ -3942,8 +4425,8 @@
         </p:nvSpPr>
         <p:spPr>
           <a:xfrm>
-            <a:off x="3002845" y="544971"/>
-            <a:ext cx="6186309" cy="646331"/>
+            <a:off x="2425764" y="539756"/>
+            <a:ext cx="7340471" cy="646331"/>
           </a:xfrm>
           <a:prstGeom prst="rect">
             <a:avLst/>
@@ -3956,6 +4439,7 @@
           </a:bodyPr>
           <a:lstStyle/>
           <a:p>
+            <a:pPr algn="ctr"/>
             <a:r>
               <a:rPr lang="zh-TW" altLang="en-US" sz="3600" dirty="0">
                 <a:solidFill>
@@ -3986,6 +4470,23 @@
               </a:rPr>
               <a:t>視網膜</a:t>
             </a:r>
+            <a:r>
+              <a:rPr lang="en-US" altLang="zh-TW" sz="3600" dirty="0">
+                <a:solidFill>
+                  <a:srgbClr val="000000"/>
+                </a:solidFill>
+                <a:latin typeface="標楷體" panose="03000509000000000000" pitchFamily="65" charset="-120"/>
+                <a:ea typeface="標楷體" panose="03000509000000000000" pitchFamily="65" charset="-120"/>
+              </a:rPr>
+              <a:t>(1/2)</a:t>
+            </a:r>
+            <a:endParaRPr lang="zh-TW" altLang="en-US" sz="3600" dirty="0">
+              <a:solidFill>
+                <a:srgbClr val="000000"/>
+              </a:solidFill>
+              <a:latin typeface="標楷體" panose="03000509000000000000" pitchFamily="65" charset="-120"/>
+              <a:ea typeface="標楷體" panose="03000509000000000000" pitchFamily="65" charset="-120"/>
+            </a:endParaRPr>
           </a:p>
         </p:txBody>
       </p:sp>
@@ -4004,7 +4505,7 @@
         <p:spPr>
           <a:xfrm>
             <a:off x="1221294" y="1411043"/>
-            <a:ext cx="10395108" cy="1938992"/>
+            <a:ext cx="6528983" cy="2308324"/>
           </a:xfrm>
           <a:prstGeom prst="rect">
             <a:avLst/>
@@ -4120,7 +4621,7 @@
           <p:nvPr/>
         </p:nvPicPr>
         <p:blipFill>
-          <a:blip r:embed="rId2">
+          <a:blip r:embed="rId3">
             <a:extLst>
               <a:ext uri="{28A0092B-C50C-407E-A947-70E740481C1C}">
                 <a14:useLocalDpi xmlns:a14="http://schemas.microsoft.com/office/drawing/2010/main" val="0"/>
@@ -4133,7 +4634,7 @@
         </p:blipFill>
         <p:spPr>
           <a:xfrm>
-            <a:off x="2859828" y="3548595"/>
+            <a:off x="3405517" y="3719367"/>
             <a:ext cx="1954219" cy="2769649"/>
           </a:xfrm>
           <a:prstGeom prst="rect">
@@ -4155,28 +4656,79 @@
           </p:cNvPicPr>
           <p:nvPr/>
         </p:nvPicPr>
-        <p:blipFill>
-          <a:blip r:embed="rId3">
+        <p:blipFill rotWithShape="1">
+          <a:blip r:embed="rId4">
             <a:extLst>
               <a:ext uri="{28A0092B-C50C-407E-A947-70E740481C1C}">
                 <a14:useLocalDpi xmlns:a14="http://schemas.microsoft.com/office/drawing/2010/main" val="0"/>
               </a:ext>
             </a:extLst>
           </a:blip>
-          <a:stretch>
-            <a:fillRect/>
-          </a:stretch>
+          <a:srcRect l="40467" t="18768"/>
+          <a:stretch/>
         </p:blipFill>
         <p:spPr>
           <a:xfrm>
-            <a:off x="6002711" y="3389410"/>
-            <a:ext cx="3600025" cy="2928834"/>
+            <a:off x="8009358" y="1932039"/>
+            <a:ext cx="3811710" cy="4231347"/>
           </a:xfrm>
           <a:prstGeom prst="rect">
             <a:avLst/>
           </a:prstGeom>
         </p:spPr>
       </p:pic>
+      <p:sp>
+        <p:nvSpPr>
+          <p:cNvPr id="5" name="矩形: 圓角 4">
+            <a:extLst>
+              <a:ext uri="{FF2B5EF4-FFF2-40B4-BE49-F238E27FC236}">
+                <a16:creationId xmlns:a16="http://schemas.microsoft.com/office/drawing/2014/main" id="{1652DBF2-B7D2-4376-9379-2ECB61E8F341}"/>
+              </a:ext>
+            </a:extLst>
+          </p:cNvPr>
+          <p:cNvSpPr/>
+          <p:nvPr/>
+        </p:nvSpPr>
+        <p:spPr>
+          <a:xfrm>
+            <a:off x="7971503" y="2005781"/>
+            <a:ext cx="376084" cy="4070554"/>
+          </a:xfrm>
+          <a:prstGeom prst="roundRect">
+            <a:avLst/>
+          </a:prstGeom>
+          <a:solidFill>
+            <a:schemeClr val="bg1"/>
+          </a:solidFill>
+          <a:ln>
+            <a:noFill/>
+          </a:ln>
+        </p:spPr>
+        <p:style>
+          <a:lnRef idx="2">
+            <a:schemeClr val="accent1">
+              <a:shade val="50000"/>
+            </a:schemeClr>
+          </a:lnRef>
+          <a:fillRef idx="1">
+            <a:schemeClr val="accent1"/>
+          </a:fillRef>
+          <a:effectRef idx="0">
+            <a:schemeClr val="accent1"/>
+          </a:effectRef>
+          <a:fontRef idx="minor">
+            <a:schemeClr val="lt1"/>
+          </a:fontRef>
+        </p:style>
+        <p:txBody>
+          <a:bodyPr rtlCol="0" anchor="ctr"/>
+          <a:lstStyle/>
+          <a:p>
+            <a:pPr algn="ctr"/>
+            <a:endParaRPr lang="zh-TW" altLang="en-US"/>
+          </a:p>
+        </p:txBody>
+      </p:sp>
     </p:spTree>
     <p:extLst>
       <p:ext uri="{BB962C8B-B14F-4D97-AF65-F5344CB8AC3E}">
@@ -4233,8 +4785,8 @@
         </p:nvSpPr>
         <p:spPr>
           <a:xfrm>
-            <a:off x="3002845" y="544971"/>
-            <a:ext cx="6186309" cy="646331"/>
+            <a:off x="2425764" y="539756"/>
+            <a:ext cx="7340471" cy="646331"/>
           </a:xfrm>
           <a:prstGeom prst="rect">
             <a:avLst/>
@@ -4247,6 +4799,7 @@
           </a:bodyPr>
           <a:lstStyle/>
           <a:p>
+            <a:pPr algn="ctr"/>
             <a:r>
               <a:rPr lang="zh-TW" altLang="en-US" sz="3600" dirty="0">
                 <a:solidFill>
@@ -4277,6 +4830,23 @@
               </a:rPr>
               <a:t>視網膜</a:t>
             </a:r>
+            <a:r>
+              <a:rPr lang="en-US" altLang="zh-TW" sz="3600" dirty="0">
+                <a:solidFill>
+                  <a:srgbClr val="000000"/>
+                </a:solidFill>
+                <a:latin typeface="標楷體" panose="03000509000000000000" pitchFamily="65" charset="-120"/>
+                <a:ea typeface="標楷體" panose="03000509000000000000" pitchFamily="65" charset="-120"/>
+              </a:rPr>
+              <a:t>(2/3)</a:t>
+            </a:r>
+            <a:endParaRPr lang="zh-TW" altLang="en-US" sz="3600" dirty="0">
+              <a:solidFill>
+                <a:srgbClr val="000000"/>
+              </a:solidFill>
+              <a:latin typeface="標楷體" panose="03000509000000000000" pitchFamily="65" charset="-120"/>
+              <a:ea typeface="標楷體" panose="03000509000000000000" pitchFamily="65" charset="-120"/>
+            </a:endParaRPr>
           </a:p>
         </p:txBody>
       </p:sp>
@@ -4294,8 +4864,8 @@
         </p:nvSpPr>
         <p:spPr>
           <a:xfrm>
-            <a:off x="1241465" y="1700155"/>
-            <a:ext cx="5972882" cy="2308324"/>
+            <a:off x="1221294" y="1411043"/>
+            <a:ext cx="6447867" cy="2308324"/>
           </a:xfrm>
           <a:prstGeom prst="rect">
             <a:avLst/>
@@ -4334,21 +4904,13 @@
             </a:r>
             <a:r>
               <a:rPr lang="en-US" altLang="zh-TW" sz="2400" dirty="0"/>
-              <a:t>Inner Plexiform Layer</a:t>
+              <a:t>Inner Plexiform Layer (IPL) </a:t>
             </a:r>
             <a:r>
               <a:rPr lang="zh-TW" altLang="en-US" sz="2400" dirty="0"/>
-              <a:t> </a:t>
-            </a:r>
-            <a:r>
-              <a:rPr lang="en-US" altLang="zh-TW" sz="2400" dirty="0"/>
-              <a:t>(IPL) </a:t>
-            </a:r>
-            <a:r>
-              <a:rPr lang="zh-TW" altLang="en-US" sz="2400" dirty="0"/>
-              <a:t>中不同變種的雙極細胞，這些不同變種的雙極細胞對收到的影像資訊進行不同的平行處理。</a:t>
-            </a:r>
-            <a:endParaRPr lang="en-US" altLang="zh-TW" sz="2400" dirty="0">
+              <a:t>中不同變種的雙極細胞，這些不同變種的雙極細胞對收到的影像資訊進行不同的平行處理， 最終輸出影像中不同的方面的要素到神經節細胞。</a:t>
+            </a:r>
+            <a:endParaRPr lang="zh-TW" altLang="en-US" sz="2400" dirty="0">
               <a:latin typeface="標楷體" panose="03000509000000000000" pitchFamily="65" charset="-120"/>
               <a:ea typeface="標楷體" panose="03000509000000000000" pitchFamily="65" charset="-120"/>
             </a:endParaRPr>
@@ -4389,7 +4951,7 @@
           <p:cNvPr id="5" name="圖片 4">
             <a:extLst>
               <a:ext uri="{FF2B5EF4-FFF2-40B4-BE49-F238E27FC236}">
-                <a16:creationId xmlns:a16="http://schemas.microsoft.com/office/drawing/2014/main" id="{895A215D-B9E7-4F4B-8B2F-2028ED97BBF5}"/>
+                <a16:creationId xmlns:a16="http://schemas.microsoft.com/office/drawing/2014/main" id="{44804A14-3629-44F3-8A32-B55F2A754FC7}"/>
               </a:ext>
             </a:extLst>
           </p:cNvPr>
@@ -4399,7 +4961,7 @@
           <p:nvPr/>
         </p:nvPicPr>
         <p:blipFill>
-          <a:blip r:embed="rId2">
+          <a:blip r:embed="rId3">
             <a:extLst>
               <a:ext uri="{28A0092B-C50C-407E-A947-70E740481C1C}">
                 <a14:useLocalDpi xmlns:a14="http://schemas.microsoft.com/office/drawing/2010/main" val="0"/>
@@ -4412,8 +4974,8 @@
         </p:blipFill>
         <p:spPr>
           <a:xfrm>
-            <a:off x="7344080" y="1393568"/>
-            <a:ext cx="3971620" cy="4761785"/>
+            <a:off x="8212405" y="1643265"/>
+            <a:ext cx="3838750" cy="4602480"/>
           </a:xfrm>
           <a:prstGeom prst="rect">
             <a:avLst/>
@@ -4423,7 +4985,7 @@
     </p:spTree>
     <p:extLst>
       <p:ext uri="{BB962C8B-B14F-4D97-AF65-F5344CB8AC3E}">
-        <p14:creationId xmlns:p14="http://schemas.microsoft.com/office/powerpoint/2010/main" val="3145413463"/>
+        <p14:creationId xmlns:p14="http://schemas.microsoft.com/office/powerpoint/2010/main" val="3681634321"/>
       </p:ext>
     </p:extLst>
   </p:cSld>
@@ -4476,8 +5038,8 @@
         </p:nvSpPr>
         <p:spPr>
           <a:xfrm>
-            <a:off x="3002845" y="544971"/>
-            <a:ext cx="6186309" cy="646331"/>
+            <a:off x="2425764" y="598759"/>
+            <a:ext cx="7340471" cy="646331"/>
           </a:xfrm>
           <a:prstGeom prst="rect">
             <a:avLst/>
@@ -4520,6 +5082,23 @@
               </a:rPr>
               <a:t>視網膜</a:t>
             </a:r>
+            <a:r>
+              <a:rPr lang="en-US" altLang="zh-TW" sz="3600" dirty="0">
+                <a:solidFill>
+                  <a:srgbClr val="000000"/>
+                </a:solidFill>
+                <a:latin typeface="標楷體" panose="03000509000000000000" pitchFamily="65" charset="-120"/>
+                <a:ea typeface="標楷體" panose="03000509000000000000" pitchFamily="65" charset="-120"/>
+              </a:rPr>
+              <a:t>(3/3)</a:t>
+            </a:r>
+            <a:endParaRPr lang="zh-TW" altLang="en-US" sz="3600" dirty="0">
+              <a:solidFill>
+                <a:srgbClr val="000000"/>
+              </a:solidFill>
+              <a:latin typeface="標楷體" panose="03000509000000000000" pitchFamily="65" charset="-120"/>
+              <a:ea typeface="標楷體" panose="03000509000000000000" pitchFamily="65" charset="-120"/>
+            </a:endParaRPr>
           </a:p>
         </p:txBody>
       </p:sp>
@@ -4760,7 +5339,7 @@
               <a:t>—</a:t>
             </a:r>
             <a:r>
-              <a:rPr lang="zh-TW" altLang="en-US" sz="3600">
+              <a:rPr lang="zh-TW" altLang="en-US" sz="3600" dirty="0">
                 <a:solidFill>
                   <a:srgbClr val="000000"/>
                 </a:solidFill>
@@ -4769,13 +5348,6 @@
               </a:rPr>
               <a:t>外膝體</a:t>
             </a:r>
-            <a:endParaRPr lang="zh-TW" altLang="en-US" sz="3600" dirty="0">
-              <a:solidFill>
-                <a:srgbClr val="000000"/>
-              </a:solidFill>
-              <a:latin typeface="標楷體" panose="03000509000000000000" pitchFamily="65" charset="-120"/>
-              <a:ea typeface="標楷體" panose="03000509000000000000" pitchFamily="65" charset="-120"/>
-            </a:endParaRPr>
           </a:p>
         </p:txBody>
       </p:sp>
@@ -4793,8 +5365,8 @@
         </p:nvSpPr>
         <p:spPr>
           <a:xfrm>
-            <a:off x="1241465" y="1700155"/>
-            <a:ext cx="5972882" cy="2308324"/>
+            <a:off x="1072328" y="1305454"/>
+            <a:ext cx="10047341" cy="1938992"/>
           </a:xfrm>
           <a:prstGeom prst="rect">
             <a:avLst/>
@@ -4813,39 +5385,71 @@
             </a:pPr>
             <a:r>
               <a:rPr lang="zh-TW" altLang="en-US" sz="2400" dirty="0"/>
-              <a:t>在 </a:t>
+              <a:t>外側膝狀體</a:t>
             </a:r>
             <a:r>
               <a:rPr lang="en-US" altLang="zh-TW" sz="2400" dirty="0"/>
-              <a:t>2013 </a:t>
+              <a:t>(</a:t>
             </a:r>
             <a:r>
               <a:rPr lang="zh-TW" altLang="en-US" sz="2400" dirty="0"/>
-              <a:t>年的 </a:t>
+              <a:t>外膝體</a:t>
             </a:r>
             <a:r>
               <a:rPr lang="en-US" altLang="zh-TW" sz="2400" dirty="0"/>
-              <a:t>[8]</a:t>
+              <a:t>)</a:t>
             </a:r>
             <a:r>
               <a:rPr lang="zh-TW" altLang="en-US" sz="2400" dirty="0"/>
-              <a:t>，就已經發現在感光細胞將光轉換為動作電位後會 將電位傳輸到層級架構的 </a:t>
+              <a:t>主要負責將視網膜不同的方面資訊</a:t>
             </a:r>
             <a:r>
               <a:rPr lang="en-US" altLang="zh-TW" sz="2400" dirty="0"/>
-              <a:t>Inner Plexiform Layer</a:t>
+              <a:t>(</a:t>
             </a:r>
             <a:r>
               <a:rPr lang="zh-TW" altLang="en-US" sz="2400" dirty="0"/>
-              <a:t> </a:t>
+              <a:t>如</a:t>
             </a:r>
             <a:r>
               <a:rPr lang="en-US" altLang="zh-TW" sz="2400" dirty="0"/>
-              <a:t>(IPL) </a:t>
+              <a:t>:</a:t>
             </a:r>
             <a:r>
               <a:rPr lang="zh-TW" altLang="en-US" sz="2400" dirty="0"/>
-              <a:t>中不同變種的雙極細胞，這些不同變種的雙極細胞對收到的影像資訊進行不同的平行處理。</a:t>
+              <a:t>色彩、輪廓、運動方向</a:t>
+            </a:r>
+            <a:r>
+              <a:rPr lang="en-US" altLang="zh-TW" sz="2400" dirty="0"/>
+              <a:t>…)</a:t>
+            </a:r>
+            <a:r>
+              <a:rPr lang="zh-TW" altLang="en-US" sz="2400" dirty="0"/>
+              <a:t>傳輸到對應的初級視覺皮質。</a:t>
+            </a:r>
+            <a:endParaRPr lang="en-US" altLang="zh-TW" sz="2400" dirty="0"/>
+          </a:p>
+          <a:p>
+            <a:pPr marL="342900" indent="-342900">
+              <a:buFont typeface="Arial" panose="020B0604020202020204" pitchFamily="34" charset="0"/>
+              <a:buChar char="•"/>
+            </a:pPr>
+            <a:endParaRPr lang="en-US" altLang="zh-TW" sz="2400" dirty="0">
+              <a:latin typeface="標楷體" panose="03000509000000000000" pitchFamily="65" charset="-120"/>
+              <a:ea typeface="標楷體" panose="03000509000000000000" pitchFamily="65" charset="-120"/>
+            </a:endParaRPr>
+          </a:p>
+          <a:p>
+            <a:pPr marL="342900" indent="-342900">
+              <a:buFont typeface="Arial" panose="020B0604020202020204" pitchFamily="34" charset="0"/>
+              <a:buChar char="•"/>
+            </a:pPr>
+            <a:r>
+              <a:rPr lang="zh-TW" altLang="en-US" sz="2400" dirty="0">
+                <a:latin typeface="標楷體" panose="03000509000000000000" pitchFamily="65" charset="-120"/>
+                <a:ea typeface="標楷體" panose="03000509000000000000" pitchFamily="65" charset="-120"/>
+              </a:rPr>
+              <a:t>外膝體中不同的細胞層也對應著不同視野的半個視網膜，保證了外膝體在資訊傳輸的過程可以保留資訊的空間位置資訊</a:t>
             </a:r>
             <a:endParaRPr lang="en-US" altLang="zh-TW" sz="2400" dirty="0">
               <a:latin typeface="標楷體" panose="03000509000000000000" pitchFamily="65" charset="-120"/>
@@ -4885,10 +5489,10 @@
       </p:sp>
       <p:pic>
         <p:nvPicPr>
-          <p:cNvPr id="5" name="圖片 4">
-            <a:extLst>
-              <a:ext uri="{FF2B5EF4-FFF2-40B4-BE49-F238E27FC236}">
-                <a16:creationId xmlns:a16="http://schemas.microsoft.com/office/drawing/2014/main" id="{895A215D-B9E7-4F4B-8B2F-2028ED97BBF5}"/>
+          <p:cNvPr id="6" name="圖片 5">
+            <a:extLst>
+              <a:ext uri="{FF2B5EF4-FFF2-40B4-BE49-F238E27FC236}">
+                <a16:creationId xmlns:a16="http://schemas.microsoft.com/office/drawing/2014/main" id="{EE3E5441-6824-40FD-9A11-38FE2176B165}"/>
               </a:ext>
             </a:extLst>
           </p:cNvPr>
@@ -4911,8 +5515,8 @@
         </p:blipFill>
         <p:spPr>
           <a:xfrm>
-            <a:off x="7344080" y="1393568"/>
-            <a:ext cx="3971620" cy="4761785"/>
+            <a:off x="3915947" y="3358599"/>
+            <a:ext cx="3627853" cy="3052809"/>
           </a:xfrm>
           <a:prstGeom prst="rect">
             <a:avLst/>
@@ -4975,8 +5579,8 @@
         </p:nvSpPr>
         <p:spPr>
           <a:xfrm>
-            <a:off x="2079516" y="504630"/>
-            <a:ext cx="8032968" cy="646331"/>
+            <a:off x="2323169" y="518076"/>
+            <a:ext cx="7545655" cy="646331"/>
           </a:xfrm>
           <a:prstGeom prst="rect">
             <a:avLst/>
@@ -4990,16 +5594,34 @@
           <a:lstStyle/>
           <a:p>
             <a:r>
-              <a:rPr lang="zh-TW" altLang="en-US" sz="3600">
+              <a:rPr lang="zh-TW" altLang="en-US" sz="3600" dirty="0">
                 <a:solidFill>
                   <a:srgbClr val="000000"/>
                 </a:solidFill>
                 <a:latin typeface="標楷體" panose="03000509000000000000" pitchFamily="65" charset="-120"/>
                 <a:ea typeface="標楷體" panose="03000509000000000000" pitchFamily="65" charset="-120"/>
               </a:rPr>
-              <a:t>智慧機器與人工智慧物聯網的應用場景</a:t>
-            </a:r>
-            <a:endParaRPr lang="en-US" altLang="zh-TW" sz="3600" dirty="0">
+              <a:t>人如何感知彩色影像</a:t>
+            </a:r>
+            <a:r>
+              <a:rPr lang="en-US" altLang="zh-TW" sz="3600" dirty="0">
+                <a:solidFill>
+                  <a:srgbClr val="000000"/>
+                </a:solidFill>
+                <a:latin typeface="標楷體" panose="03000509000000000000" pitchFamily="65" charset="-120"/>
+                <a:ea typeface="標楷體" panose="03000509000000000000" pitchFamily="65" charset="-120"/>
+              </a:rPr>
+              <a:t>—</a:t>
+            </a:r>
+            <a:r>
+              <a:rPr lang="zh-TW" altLang="en-US" sz="3600" dirty="0"/>
+              <a:t>視覺皮層</a:t>
+            </a:r>
+            <a:r>
+              <a:rPr lang="en-US" altLang="zh-TW" sz="3600" dirty="0"/>
+              <a:t>(1/3)</a:t>
+            </a:r>
+            <a:endParaRPr lang="zh-TW" altLang="en-US" sz="3600" dirty="0">
               <a:solidFill>
                 <a:srgbClr val="000000"/>
               </a:solidFill>
@@ -5014,7 +5636,7 @@
           <p:cNvPr id="2" name="文字方塊 1">
             <a:extLst>
               <a:ext uri="{FF2B5EF4-FFF2-40B4-BE49-F238E27FC236}">
-                <a16:creationId xmlns:a16="http://schemas.microsoft.com/office/drawing/2014/main" id="{0FC5A0A6-BC18-58EA-91D4-EA1A43232475}"/>
+                <a16:creationId xmlns:a16="http://schemas.microsoft.com/office/drawing/2014/main" id="{61EDE1BB-7398-E012-A3B9-B2350876A379}"/>
               </a:ext>
             </a:extLst>
           </p:cNvPr>
@@ -5023,8 +5645,8 @@
         </p:nvSpPr>
         <p:spPr>
           <a:xfrm>
-            <a:off x="1241465" y="1582059"/>
-            <a:ext cx="10395108" cy="4154984"/>
+            <a:off x="1072327" y="1574395"/>
+            <a:ext cx="10047341" cy="3046988"/>
           </a:xfrm>
           <a:prstGeom prst="rect">
             <a:avLst/>
@@ -5042,36 +5664,60 @@
               <a:buChar char="•"/>
             </a:pPr>
             <a:r>
-              <a:rPr lang="zh-TW" altLang="en-US" sz="2400" dirty="0">
-                <a:latin typeface="標楷體" panose="03000509000000000000" pitchFamily="65" charset="-120"/>
-                <a:ea typeface="標楷體" panose="03000509000000000000" pitchFamily="65" charset="-120"/>
-              </a:rPr>
-              <a:t>工業 </a:t>
-            </a:r>
-            <a:r>
-              <a:rPr lang="en-US" altLang="zh-TW" sz="2400" dirty="0">
-                <a:latin typeface="標楷體" panose="03000509000000000000" pitchFamily="65" charset="-120"/>
-                <a:ea typeface="標楷體" panose="03000509000000000000" pitchFamily="65" charset="-120"/>
-              </a:rPr>
-              <a:t>4.0(Industry 4.0)</a:t>
-            </a:r>
-            <a:r>
-              <a:rPr lang="zh-TW" altLang="en-US" sz="2400" dirty="0">
-                <a:latin typeface="標楷體" panose="03000509000000000000" pitchFamily="65" charset="-120"/>
-                <a:ea typeface="標楷體" panose="03000509000000000000" pitchFamily="65" charset="-120"/>
-              </a:rPr>
-              <a:t>：人工智慧物聯網技術是智慧工廠實現生產過程的自動化和智能化的關鍵，這有助於提高生產效率並減少人力成本，從而提高了整個製造業的競爭力。</a:t>
-            </a:r>
+              <a:rPr lang="zh-TW" altLang="en-US" sz="2400" dirty="0"/>
+              <a:t>視覺皮層又可以分為初級視覺皮層</a:t>
+            </a:r>
+            <a:r>
+              <a:rPr lang="en-US" altLang="zh-TW" sz="2400" dirty="0"/>
+              <a:t>(Primary visual cortex, V1)</a:t>
+            </a:r>
+            <a:r>
+              <a:rPr lang="zh-TW" altLang="en-US" sz="2400" dirty="0"/>
+              <a:t>和紋外皮層</a:t>
+            </a:r>
+            <a:r>
+              <a:rPr lang="en-US" altLang="zh-TW" sz="2400" dirty="0"/>
+              <a:t>(V2</a:t>
+            </a:r>
+            <a:r>
+              <a:rPr lang="zh-TW" altLang="en-US" sz="2400" dirty="0"/>
+              <a:t>、</a:t>
+            </a:r>
+            <a:r>
+              <a:rPr lang="en-US" altLang="zh-TW" sz="2400" dirty="0"/>
+              <a:t>V4</a:t>
+            </a:r>
+            <a:r>
+              <a:rPr lang="zh-TW" altLang="en-US" sz="2400" dirty="0"/>
+              <a:t>、</a:t>
+            </a:r>
+            <a:r>
+              <a:rPr lang="en-US" altLang="zh-TW" sz="2400" dirty="0"/>
+              <a:t>MT</a:t>
+            </a:r>
+            <a:r>
+              <a:rPr lang="zh-TW" altLang="en-US" sz="2400" dirty="0"/>
+              <a:t>層</a:t>
+            </a:r>
+            <a:r>
+              <a:rPr lang="en-US" altLang="zh-TW" sz="2400" dirty="0"/>
+              <a:t>)</a:t>
+            </a:r>
+            <a:r>
+              <a:rPr lang="zh-TW" altLang="en-US" sz="2400" dirty="0"/>
+              <a:t>這四層。</a:t>
+            </a:r>
+            <a:endParaRPr lang="en-US" altLang="zh-TW" sz="2400" dirty="0"/>
           </a:p>
           <a:p>
             <a:pPr marL="342900" indent="-342900">
               <a:buFont typeface="Arial" panose="020B0604020202020204" pitchFamily="34" charset="0"/>
               <a:buChar char="•"/>
             </a:pPr>
-            <a:endParaRPr lang="zh-TW" altLang="en-US" sz="2400" dirty="0">
-              <a:latin typeface="標楷體" panose="03000509000000000000" pitchFamily="65" charset="-120"/>
-              <a:ea typeface="標楷體" panose="03000509000000000000" pitchFamily="65" charset="-120"/>
-            </a:endParaRPr>
+            <a:endParaRPr lang="en-US" altLang="zh-TW" sz="2400" dirty="0"/>
+          </a:p>
+          <a:p>
+            <a:endParaRPr lang="zh-TW" altLang="en-US" sz="2400" dirty="0"/>
           </a:p>
           <a:p>
             <a:pPr marL="342900" indent="-342900">
@@ -5079,49 +5725,20 @@
               <a:buChar char="•"/>
             </a:pPr>
             <a:r>
-              <a:rPr lang="zh-TW" altLang="en-US" sz="2400" dirty="0">
-                <a:latin typeface="標楷體" panose="03000509000000000000" pitchFamily="65" charset="-120"/>
-                <a:ea typeface="標楷體" panose="03000509000000000000" pitchFamily="65" charset="-120"/>
-              </a:rPr>
-              <a:t>物流和倉儲：無人搬運車 </a:t>
-            </a:r>
-            <a:r>
-              <a:rPr lang="en-US" altLang="zh-TW" sz="2400" dirty="0">
-                <a:latin typeface="標楷體" panose="03000509000000000000" pitchFamily="65" charset="-120"/>
-                <a:ea typeface="標楷體" panose="03000509000000000000" pitchFamily="65" charset="-120"/>
-              </a:rPr>
-              <a:t>(Automated Guided Vehicle, AGV) </a:t>
-            </a:r>
-            <a:r>
-              <a:rPr lang="zh-TW" altLang="en-US" sz="2400" dirty="0">
-                <a:latin typeface="標楷體" panose="03000509000000000000" pitchFamily="65" charset="-120"/>
-                <a:ea typeface="標楷體" panose="03000509000000000000" pitchFamily="65" charset="-120"/>
-              </a:rPr>
-              <a:t>在物流和倉儲管理中扮演著關鍵角色。它們可以自動運送物品，根據預定路徑進行導航。</a:t>
-            </a:r>
+              <a:rPr lang="zh-TW" altLang="en-US" sz="2400" dirty="0"/>
+              <a:t>初級視覺皮層負責接收外膝體傳輸來的資訊並開始處理顏色、方向、輪廓等視覺資訊，其餘皮層則負責整合和傳遞資訊給下面的皮層，因此隨著皮層的深入，所得到的視覺資訊也會越來越完整。</a:t>
+            </a:r>
+            <a:endParaRPr lang="en-US" altLang="zh-TW" sz="2400" dirty="0"/>
           </a:p>
           <a:p>
             <a:pPr marL="342900" indent="-342900">
               <a:buFont typeface="Arial" panose="020B0604020202020204" pitchFamily="34" charset="0"/>
               <a:buChar char="•"/>
             </a:pPr>
-            <a:endParaRPr lang="zh-TW" altLang="en-US" sz="2400" dirty="0">
-              <a:latin typeface="標楷體" panose="03000509000000000000" pitchFamily="65" charset="-120"/>
-              <a:ea typeface="標楷體" panose="03000509000000000000" pitchFamily="65" charset="-120"/>
-            </a:endParaRPr>
-          </a:p>
-          <a:p>
-            <a:pPr marL="342900" indent="-342900">
-              <a:buFont typeface="Arial" panose="020B0604020202020204" pitchFamily="34" charset="0"/>
-              <a:buChar char="•"/>
-            </a:pPr>
-            <a:r>
-              <a:rPr lang="zh-TW" altLang="en-US" sz="2400" dirty="0">
-                <a:latin typeface="標楷體" panose="03000509000000000000" pitchFamily="65" charset="-120"/>
-                <a:ea typeface="標楷體" panose="03000509000000000000" pitchFamily="65" charset="-120"/>
-              </a:rPr>
-              <a:t>醫療保健：手術機器人是其中一個典型的例子，它可以幫助外科醫生不受時間與地點的影響進行精確的手術操作，同時兼顧了手術的準確性、安全性與急迫性三個重要需求。</a:t>
-            </a:r>
+            <a:endParaRPr lang="en-US" altLang="zh-TW" sz="2400" dirty="0">
+              <a:latin typeface="標楷體" panose="03000509000000000000" pitchFamily="65" charset="-120"/>
+              <a:ea typeface="標楷體" panose="03000509000000000000" pitchFamily="65" charset="-120"/>
+            </a:endParaRPr>
           </a:p>
         </p:txBody>
       </p:sp>
@@ -5130,7 +5747,7 @@
           <p:cNvPr id="4" name="投影片編號版面配置區 3">
             <a:extLst>
               <a:ext uri="{FF2B5EF4-FFF2-40B4-BE49-F238E27FC236}">
-                <a16:creationId xmlns:a16="http://schemas.microsoft.com/office/drawing/2014/main" id="{F62DF1EB-0234-40FE-8A6B-EFE52AB4F993}"/>
+                <a16:creationId xmlns:a16="http://schemas.microsoft.com/office/drawing/2014/main" id="{252EF547-5622-42A0-AC0D-A6CF3FCBF0CE}"/>
               </a:ext>
             </a:extLst>
           </p:cNvPr>
@@ -5157,20 +5774,20 @@
     </p:spTree>
     <p:extLst>
       <p:ext uri="{BB962C8B-B14F-4D97-AF65-F5344CB8AC3E}">
-        <p14:creationId xmlns:p14="http://schemas.microsoft.com/office/powerpoint/2010/main" val="1083326455"/>
+        <p14:creationId xmlns:p14="http://schemas.microsoft.com/office/powerpoint/2010/main" val="59198596"/>
       </p:ext>
     </p:extLst>
   </p:cSld>
   <p:clrMapOvr>
     <a:masterClrMapping/>
   </p:clrMapOvr>
-  <mc:AlternateContent xmlns:mc="http://schemas.openxmlformats.org/markup-compatibility/2006" xmlns:p159="http://schemas.microsoft.com/office/powerpoint/2015/09/main">
-    <mc:Choice Requires="p159">
+  <mc:AlternateContent xmlns:mc="http://schemas.openxmlformats.org/markup-compatibility/2006">
+    <mc:Choice xmlns:p159="http://schemas.microsoft.com/office/powerpoint/2015/09/main" Requires="p159">
       <p:transition spd="slow">
         <p159:morph option="byObject"/>
       </p:transition>
     </mc:Choice>
-    <mc:Fallback xmlns="">
+    <mc:Fallback>
       <p:transition spd="slow">
         <p:fade/>
       </p:transition>
@@ -5210,8 +5827,8 @@
         </p:nvSpPr>
         <p:spPr>
           <a:xfrm>
-            <a:off x="3579926" y="504630"/>
-            <a:ext cx="5032147" cy="646331"/>
+            <a:off x="2323169" y="532486"/>
+            <a:ext cx="7545655" cy="646331"/>
           </a:xfrm>
           <a:prstGeom prst="rect">
             <a:avLst/>
@@ -5225,26 +5842,34 @@
           <a:lstStyle/>
           <a:p>
             <a:r>
-              <a:rPr lang="en-US" altLang="zh-TW" sz="3600">
+              <a:rPr lang="zh-TW" altLang="en-US" sz="3600" dirty="0">
                 <a:solidFill>
                   <a:srgbClr val="000000"/>
                 </a:solidFill>
                 <a:latin typeface="標楷體" panose="03000509000000000000" pitchFamily="65" charset="-120"/>
                 <a:ea typeface="標楷體" panose="03000509000000000000" pitchFamily="65" charset="-120"/>
               </a:rPr>
-              <a:t>3D </a:t>
-            </a:r>
-            <a:r>
-              <a:rPr lang="zh-TW" altLang="en-US" sz="3600">
+              <a:t>人如何感知彩色影像</a:t>
+            </a:r>
+            <a:r>
+              <a:rPr lang="en-US" altLang="zh-TW" sz="3600" dirty="0">
                 <a:solidFill>
                   <a:srgbClr val="000000"/>
                 </a:solidFill>
                 <a:latin typeface="標楷體" panose="03000509000000000000" pitchFamily="65" charset="-120"/>
                 <a:ea typeface="標楷體" panose="03000509000000000000" pitchFamily="65" charset="-120"/>
               </a:rPr>
-              <a:t>列印技術的發展現況</a:t>
-            </a:r>
-            <a:endParaRPr lang="en-US" altLang="zh-TW" sz="3600" dirty="0">
+              <a:t>—</a:t>
+            </a:r>
+            <a:r>
+              <a:rPr lang="zh-TW" altLang="en-US" sz="3600" dirty="0"/>
+              <a:t>視覺皮層</a:t>
+            </a:r>
+            <a:r>
+              <a:rPr lang="en-US" altLang="zh-TW" sz="3600" dirty="0"/>
+              <a:t>(2/3)</a:t>
+            </a:r>
+            <a:endParaRPr lang="zh-TW" altLang="en-US" sz="3600" dirty="0">
               <a:solidFill>
                 <a:srgbClr val="000000"/>
               </a:solidFill>
@@ -5259,7 +5884,7 @@
           <p:cNvPr id="2" name="文字方塊 1">
             <a:extLst>
               <a:ext uri="{FF2B5EF4-FFF2-40B4-BE49-F238E27FC236}">
-                <a16:creationId xmlns:a16="http://schemas.microsoft.com/office/drawing/2014/main" id="{E5222DD4-79AC-82E0-F343-13E1E045B891}"/>
+                <a16:creationId xmlns:a16="http://schemas.microsoft.com/office/drawing/2014/main" id="{61EDE1BB-7398-E012-A3B9-B2350876A379}"/>
               </a:ext>
             </a:extLst>
           </p:cNvPr>
@@ -5268,8 +5893,8 @@
         </p:nvSpPr>
         <p:spPr>
           <a:xfrm>
-            <a:off x="1241465" y="1582059"/>
-            <a:ext cx="10395108" cy="3416320"/>
+            <a:off x="1072325" y="1439924"/>
+            <a:ext cx="10047341" cy="1938992"/>
           </a:xfrm>
           <a:prstGeom prst="rect">
             <a:avLst/>
@@ -5291,81 +5916,135 @@
                 <a:latin typeface="標楷體" panose="03000509000000000000" pitchFamily="65" charset="-120"/>
                 <a:ea typeface="標楷體" panose="03000509000000000000" pitchFamily="65" charset="-120"/>
               </a:rPr>
-              <a:t>受惠於電腦輔助設計（</a:t>
+              <a:t>皮質中的資訊傳輸路徑分成兩類，</a:t>
             </a:r>
             <a:r>
               <a:rPr lang="en-US" altLang="zh-TW" sz="2400" dirty="0">
                 <a:latin typeface="標楷體" panose="03000509000000000000" pitchFamily="65" charset="-120"/>
                 <a:ea typeface="標楷體" panose="03000509000000000000" pitchFamily="65" charset="-120"/>
               </a:rPr>
-              <a:t>CAD</a:t>
+              <a:t>Ventral Pathway </a:t>
             </a:r>
             <a:r>
               <a:rPr lang="zh-TW" altLang="en-US" sz="2400" dirty="0">
                 <a:latin typeface="標楷體" panose="03000509000000000000" pitchFamily="65" charset="-120"/>
                 <a:ea typeface="標楷體" panose="03000509000000000000" pitchFamily="65" charset="-120"/>
               </a:rPr>
-              <a:t>）、電腦輔助製造（</a:t>
+              <a:t>和 </a:t>
             </a:r>
             <a:r>
               <a:rPr lang="en-US" altLang="zh-TW" sz="2400" dirty="0">
                 <a:latin typeface="標楷體" panose="03000509000000000000" pitchFamily="65" charset="-120"/>
                 <a:ea typeface="標楷體" panose="03000509000000000000" pitchFamily="65" charset="-120"/>
               </a:rPr>
-              <a:t>CAM</a:t>
+              <a:t>Dorsal Pathway, Ventral Pathway </a:t>
             </a:r>
             <a:r>
               <a:rPr lang="zh-TW" altLang="en-US" sz="2400" dirty="0">
                 <a:latin typeface="標楷體" panose="03000509000000000000" pitchFamily="65" charset="-120"/>
                 <a:ea typeface="標楷體" panose="03000509000000000000" pitchFamily="65" charset="-120"/>
               </a:rPr>
-              <a:t>）和電腦數值控制加工（</a:t>
+              <a:t>由 </a:t>
             </a:r>
             <a:r>
               <a:rPr lang="en-US" altLang="zh-TW" sz="2400" dirty="0">
                 <a:latin typeface="標楷體" panose="03000509000000000000" pitchFamily="65" charset="-120"/>
                 <a:ea typeface="標楷體" panose="03000509000000000000" pitchFamily="65" charset="-120"/>
               </a:rPr>
-              <a:t>CNC</a:t>
+              <a:t>V1</a:t>
             </a:r>
             <a:r>
               <a:rPr lang="zh-TW" altLang="en-US" sz="2400" dirty="0">
                 <a:latin typeface="標楷體" panose="03000509000000000000" pitchFamily="65" charset="-120"/>
                 <a:ea typeface="標楷體" panose="03000509000000000000" pitchFamily="65" charset="-120"/>
               </a:rPr>
-              <a:t>）等技術的蓬勃發展。使快速成形技術（</a:t>
+              <a:t>、</a:t>
             </a:r>
             <a:r>
               <a:rPr lang="en-US" altLang="zh-TW" sz="2400" dirty="0">
                 <a:latin typeface="標楷體" panose="03000509000000000000" pitchFamily="65" charset="-120"/>
                 <a:ea typeface="標楷體" panose="03000509000000000000" pitchFamily="65" charset="-120"/>
               </a:rPr>
-              <a:t>RP</a:t>
+              <a:t>V2</a:t>
             </a:r>
             <a:r>
               <a:rPr lang="zh-TW" altLang="en-US" sz="2400" dirty="0">
                 <a:latin typeface="標楷體" panose="03000509000000000000" pitchFamily="65" charset="-120"/>
                 <a:ea typeface="標楷體" panose="03000509000000000000" pitchFamily="65" charset="-120"/>
               </a:rPr>
-              <a:t>）在現在的工業設計與製造的研究領域中，已越來越成熟。此技術時常用於快速生成零件模型的製造技術，它通過電腦控制，將材料進行堆疊加工，生成立體實品，因此又稱為積層製造技術（</a:t>
+              <a:t>、</a:t>
             </a:r>
             <a:r>
               <a:rPr lang="en-US" altLang="zh-TW" sz="2400" dirty="0">
                 <a:latin typeface="標楷體" panose="03000509000000000000" pitchFamily="65" charset="-120"/>
                 <a:ea typeface="標楷體" panose="03000509000000000000" pitchFamily="65" charset="-120"/>
               </a:rPr>
-              <a:t>AM</a:t>
+              <a:t>V4 </a:t>
             </a:r>
             <a:r>
               <a:rPr lang="zh-TW" altLang="en-US" sz="2400" dirty="0">
                 <a:latin typeface="標楷體" panose="03000509000000000000" pitchFamily="65" charset="-120"/>
                 <a:ea typeface="標楷體" panose="03000509000000000000" pitchFamily="65" charset="-120"/>
               </a:rPr>
-              <a:t>）。</a:t>
-            </a:r>
-          </a:p>
-          <a:p>
-            <a:endParaRPr lang="zh-TW" altLang="en-US" sz="2400" dirty="0">
+              <a:t>組成負責處理影像的色彩、形狀等資訊；</a:t>
+            </a:r>
+            <a:r>
+              <a:rPr lang="en-US" altLang="zh-TW" sz="2400" dirty="0">
+                <a:latin typeface="標楷體" panose="03000509000000000000" pitchFamily="65" charset="-120"/>
+                <a:ea typeface="標楷體" panose="03000509000000000000" pitchFamily="65" charset="-120"/>
+              </a:rPr>
+              <a:t>Dorsal Pathway </a:t>
+            </a:r>
+            <a:r>
+              <a:rPr lang="zh-TW" altLang="en-US" sz="2400" dirty="0">
+                <a:latin typeface="標楷體" panose="03000509000000000000" pitchFamily="65" charset="-120"/>
+                <a:ea typeface="標楷體" panose="03000509000000000000" pitchFamily="65" charset="-120"/>
+              </a:rPr>
+              <a:t>由 </a:t>
+            </a:r>
+            <a:r>
+              <a:rPr lang="en-US" altLang="zh-TW" sz="2400" dirty="0">
+                <a:latin typeface="標楷體" panose="03000509000000000000" pitchFamily="65" charset="-120"/>
+                <a:ea typeface="標楷體" panose="03000509000000000000" pitchFamily="65" charset="-120"/>
+              </a:rPr>
+              <a:t>V1</a:t>
+            </a:r>
+            <a:r>
+              <a:rPr lang="zh-TW" altLang="en-US" sz="2400" dirty="0">
+                <a:latin typeface="標楷體" panose="03000509000000000000" pitchFamily="65" charset="-120"/>
+                <a:ea typeface="標楷體" panose="03000509000000000000" pitchFamily="65" charset="-120"/>
+              </a:rPr>
+              <a:t>、</a:t>
+            </a:r>
+            <a:r>
+              <a:rPr lang="en-US" altLang="zh-TW" sz="2400" dirty="0">
+                <a:latin typeface="標楷體" panose="03000509000000000000" pitchFamily="65" charset="-120"/>
+                <a:ea typeface="標楷體" panose="03000509000000000000" pitchFamily="65" charset="-120"/>
+              </a:rPr>
+              <a:t>V2</a:t>
+            </a:r>
+            <a:r>
+              <a:rPr lang="zh-TW" altLang="en-US" sz="2400" dirty="0">
+                <a:latin typeface="標楷體" panose="03000509000000000000" pitchFamily="65" charset="-120"/>
+                <a:ea typeface="標楷體" panose="03000509000000000000" pitchFamily="65" charset="-120"/>
+              </a:rPr>
+              <a:t>、</a:t>
+            </a:r>
+            <a:r>
+              <a:rPr lang="en-US" altLang="zh-TW" sz="2400" dirty="0">
+                <a:latin typeface="標楷體" panose="03000509000000000000" pitchFamily="65" charset="-120"/>
+                <a:ea typeface="標楷體" panose="03000509000000000000" pitchFamily="65" charset="-120"/>
+              </a:rPr>
+              <a:t>MT </a:t>
+            </a:r>
+            <a:r>
+              <a:rPr lang="zh-TW" altLang="en-US" sz="2400" dirty="0">
+                <a:latin typeface="標楷體" panose="03000509000000000000" pitchFamily="65" charset="-120"/>
+                <a:ea typeface="標楷體" panose="03000509000000000000" pitchFamily="65" charset="-120"/>
+              </a:rPr>
+              <a:t>組成負責處理影像的運動方向的資訊。</a:t>
+            </a:r>
+            <a:endParaRPr lang="en-US" altLang="zh-TW" sz="2400" dirty="0">
               <a:latin typeface="標楷體" panose="03000509000000000000" pitchFamily="65" charset="-120"/>
               <a:ea typeface="標楷體" panose="03000509000000000000" pitchFamily="65" charset="-120"/>
             </a:endParaRPr>
@@ -5375,41 +6054,10 @@
               <a:buFont typeface="Arial" panose="020B0604020202020204" pitchFamily="34" charset="0"/>
               <a:buChar char="•"/>
             </a:pPr>
-            <a:r>
-              <a:rPr lang="zh-TW" altLang="en-US" sz="2400" dirty="0">
-                <a:latin typeface="標楷體" panose="03000509000000000000" pitchFamily="65" charset="-120"/>
-                <a:ea typeface="標楷體" panose="03000509000000000000" pitchFamily="65" charset="-120"/>
-              </a:rPr>
-              <a:t>現今的 </a:t>
-            </a:r>
-            <a:r>
-              <a:rPr lang="en-US" altLang="zh-TW" sz="2400" dirty="0">
-                <a:latin typeface="標楷體" panose="03000509000000000000" pitchFamily="65" charset="-120"/>
-                <a:ea typeface="標楷體" panose="03000509000000000000" pitchFamily="65" charset="-120"/>
-              </a:rPr>
-              <a:t>3D </a:t>
-            </a:r>
-            <a:r>
-              <a:rPr lang="zh-TW" altLang="en-US" sz="2400" dirty="0">
-                <a:latin typeface="標楷體" panose="03000509000000000000" pitchFamily="65" charset="-120"/>
-                <a:ea typeface="標楷體" panose="03000509000000000000" pitchFamily="65" charset="-120"/>
-              </a:rPr>
-              <a:t>列印技術已被廣泛應用於建築、工業設計、汽車、航太、醫療生技、服飾、飾品、地理資訊和食品等產業。一些劃時代的成品包括 </a:t>
-            </a:r>
-            <a:r>
-              <a:rPr lang="en-US" altLang="zh-TW" sz="2400" dirty="0">
-                <a:latin typeface="標楷體" panose="03000509000000000000" pitchFamily="65" charset="-120"/>
-                <a:ea typeface="標楷體" panose="03000509000000000000" pitchFamily="65" charset="-120"/>
-              </a:rPr>
-              <a:t>3D </a:t>
-            </a:r>
-            <a:r>
-              <a:rPr lang="zh-TW" altLang="en-US" sz="2400" dirty="0">
-                <a:latin typeface="標楷體" panose="03000509000000000000" pitchFamily="65" charset="-120"/>
-                <a:ea typeface="標楷體" panose="03000509000000000000" pitchFamily="65" charset="-120"/>
-              </a:rPr>
-              <a:t>列印的房屋、無人機、汽車、人工血管和各式食品都已在近年陸續問世。</a:t>
-            </a:r>
+            <a:endParaRPr lang="en-US" altLang="zh-TW" sz="2400" dirty="0">
+              <a:latin typeface="標楷體" panose="03000509000000000000" pitchFamily="65" charset="-120"/>
+              <a:ea typeface="標楷體" panose="03000509000000000000" pitchFamily="65" charset="-120"/>
+            </a:endParaRPr>
           </a:p>
         </p:txBody>
       </p:sp>
@@ -5418,7 +6066,7 @@
           <p:cNvPr id="4" name="投影片編號版面配置區 3">
             <a:extLst>
               <a:ext uri="{FF2B5EF4-FFF2-40B4-BE49-F238E27FC236}">
-                <a16:creationId xmlns:a16="http://schemas.microsoft.com/office/drawing/2014/main" id="{59EF504D-4192-438F-8801-0EACAE5FD9F5}"/>
+                <a16:creationId xmlns:a16="http://schemas.microsoft.com/office/drawing/2014/main" id="{252EF547-5622-42A0-AC0D-A6CF3FCBF0CE}"/>
               </a:ext>
             </a:extLst>
           </p:cNvPr>
@@ -5442,23 +6090,59 @@
           </a:p>
         </p:txBody>
       </p:sp>
+      <p:pic>
+        <p:nvPicPr>
+          <p:cNvPr id="5" name="圖片 4">
+            <a:extLst>
+              <a:ext uri="{FF2B5EF4-FFF2-40B4-BE49-F238E27FC236}">
+                <a16:creationId xmlns:a16="http://schemas.microsoft.com/office/drawing/2014/main" id="{32340197-C682-4424-A9FA-E93BDC3B08C7}"/>
+              </a:ext>
+            </a:extLst>
+          </p:cNvPr>
+          <p:cNvPicPr>
+            <a:picLocks noChangeAspect="1"/>
+          </p:cNvPicPr>
+          <p:nvPr/>
+        </p:nvPicPr>
+        <p:blipFill>
+          <a:blip r:embed="rId2">
+            <a:extLst>
+              <a:ext uri="{28A0092B-C50C-407E-A947-70E740481C1C}">
+                <a14:useLocalDpi xmlns:a14="http://schemas.microsoft.com/office/drawing/2010/main" val="0"/>
+              </a:ext>
+            </a:extLst>
+          </a:blip>
+          <a:stretch>
+            <a:fillRect/>
+          </a:stretch>
+        </p:blipFill>
+        <p:spPr>
+          <a:xfrm>
+            <a:off x="3749343" y="2878713"/>
+            <a:ext cx="4693304" cy="3306935"/>
+          </a:xfrm>
+          <a:prstGeom prst="rect">
+            <a:avLst/>
+          </a:prstGeom>
+        </p:spPr>
+      </p:pic>
     </p:spTree>
     <p:extLst>
       <p:ext uri="{BB962C8B-B14F-4D97-AF65-F5344CB8AC3E}">
-        <p14:creationId xmlns:p14="http://schemas.microsoft.com/office/powerpoint/2010/main" val="1846787587"/>
+        <p14:creationId xmlns:p14="http://schemas.microsoft.com/office/powerpoint/2010/main" val="2533593063"/>
       </p:ext>
     </p:extLst>
   </p:cSld>
   <p:clrMapOvr>
     <a:masterClrMapping/>
   </p:clrMapOvr>
-  <mc:AlternateContent xmlns:mc="http://schemas.openxmlformats.org/markup-compatibility/2006" xmlns:p159="http://schemas.microsoft.com/office/powerpoint/2015/09/main">
-    <mc:Choice Requires="p159">
+  <mc:AlternateContent xmlns:mc="http://schemas.openxmlformats.org/markup-compatibility/2006">
+    <mc:Choice xmlns:p159="http://schemas.microsoft.com/office/powerpoint/2015/09/main" Requires="p159">
       <p:transition spd="slow">
         <p159:morph option="byObject"/>
       </p:transition>
     </mc:Choice>
-    <mc:Fallback xmlns="">
+    <mc:Fallback>
       <p:transition spd="slow">
         <p:fade/>
       </p:transition>
@@ -17603,7 +18287,7 @@
           <p:nvPr/>
         </p:nvPicPr>
         <p:blipFill>
-          <a:blip r:embed="rId2">
+          <a:blip r:embed="rId3">
             <a:extLst>
               <a:ext uri="{28A0092B-C50C-407E-A947-70E740481C1C}">
                 <a14:useLocalDpi xmlns:a14="http://schemas.microsoft.com/office/drawing/2010/main" val="0"/>

--- a/文件/ppt/簡報.pptx
+++ b/文件/ppt/簡報.pptx
@@ -254,7 +254,7 @@
           <a:p>
             <a:fld id="{35E30576-A0F2-4F14-8DA7-490B7F2E19E8}" type="datetimeFigureOut">
               <a:rPr lang="zh-TW" altLang="en-US" smtClean="0"/>
-              <a:t>2024/6/19</a:t>
+              <a:t>2024/6/23</a:t>
             </a:fld>
             <a:endParaRPr lang="zh-TW" altLang="en-US"/>
           </a:p>
@@ -1151,7 +1151,7 @@
           <a:p>
             <a:fld id="{ADDF1242-BC20-40AD-A39D-A3798EED5A0E}" type="datetime1">
               <a:rPr lang="zh-TW" altLang="en-US" smtClean="0"/>
-              <a:t>2024/6/19</a:t>
+              <a:t>2024/6/23</a:t>
             </a:fld>
             <a:endParaRPr lang="zh-TW" altLang="en-US"/>
           </a:p>
@@ -1349,7 +1349,7 @@
           <a:p>
             <a:fld id="{3D81309B-B55D-4420-A514-FFE56F9B1935}" type="datetime1">
               <a:rPr lang="zh-TW" altLang="en-US" smtClean="0"/>
-              <a:t>2024/6/19</a:t>
+              <a:t>2024/6/23</a:t>
             </a:fld>
             <a:endParaRPr lang="zh-TW" altLang="en-US"/>
           </a:p>
@@ -1557,7 +1557,7 @@
           <a:p>
             <a:fld id="{EE587635-7423-4ADC-B933-3D4C064F834F}" type="datetime1">
               <a:rPr lang="zh-TW" altLang="en-US" smtClean="0"/>
-              <a:t>2024/6/19</a:t>
+              <a:t>2024/6/23</a:t>
             </a:fld>
             <a:endParaRPr lang="zh-TW" altLang="en-US"/>
           </a:p>
@@ -1755,7 +1755,7 @@
           <a:p>
             <a:fld id="{552A1357-7848-432E-8794-31A50689C6ED}" type="datetime1">
               <a:rPr lang="zh-TW" altLang="en-US" smtClean="0"/>
-              <a:t>2024/6/19</a:t>
+              <a:t>2024/6/23</a:t>
             </a:fld>
             <a:endParaRPr lang="zh-TW" altLang="en-US"/>
           </a:p>
@@ -2030,7 +2030,7 @@
           <a:p>
             <a:fld id="{9D6E8DFF-CD18-44A6-9715-3B17D4F5612F}" type="datetime1">
               <a:rPr lang="zh-TW" altLang="en-US" smtClean="0"/>
-              <a:t>2024/6/19</a:t>
+              <a:t>2024/6/23</a:t>
             </a:fld>
             <a:endParaRPr lang="zh-TW" altLang="en-US"/>
           </a:p>
@@ -2295,7 +2295,7 @@
           <a:p>
             <a:fld id="{7971B5F1-5A50-4BD0-AEBF-DC46FBB49116}" type="datetime1">
               <a:rPr lang="zh-TW" altLang="en-US" smtClean="0"/>
-              <a:t>2024/6/19</a:t>
+              <a:t>2024/6/23</a:t>
             </a:fld>
             <a:endParaRPr lang="zh-TW" altLang="en-US"/>
           </a:p>
@@ -2707,7 +2707,7 @@
           <a:p>
             <a:fld id="{F8D94645-3D2F-42FC-8EAC-77892190A2DD}" type="datetime1">
               <a:rPr lang="zh-TW" altLang="en-US" smtClean="0"/>
-              <a:t>2024/6/19</a:t>
+              <a:t>2024/6/23</a:t>
             </a:fld>
             <a:endParaRPr lang="zh-TW" altLang="en-US"/>
           </a:p>
@@ -2848,7 +2848,7 @@
           <a:p>
             <a:fld id="{7D4B944B-EBE1-4160-8744-066A9DB65622}" type="datetime1">
               <a:rPr lang="zh-TW" altLang="en-US" smtClean="0"/>
-              <a:t>2024/6/19</a:t>
+              <a:t>2024/6/23</a:t>
             </a:fld>
             <a:endParaRPr lang="zh-TW" altLang="en-US"/>
           </a:p>
@@ -2961,7 +2961,7 @@
           <a:p>
             <a:fld id="{C790784E-A2E8-4F9A-BCA8-B4F07256D95E}" type="datetime1">
               <a:rPr lang="zh-TW" altLang="en-US" smtClean="0"/>
-              <a:t>2024/6/19</a:t>
+              <a:t>2024/6/23</a:t>
             </a:fld>
             <a:endParaRPr lang="zh-TW" altLang="en-US"/>
           </a:p>
@@ -3272,7 +3272,7 @@
           <a:p>
             <a:fld id="{401E062C-E9A4-467D-B597-236E0A1416CD}" type="datetime1">
               <a:rPr lang="zh-TW" altLang="en-US" smtClean="0"/>
-              <a:t>2024/6/19</a:t>
+              <a:t>2024/6/23</a:t>
             </a:fld>
             <a:endParaRPr lang="zh-TW" altLang="en-US"/>
           </a:p>
@@ -3560,7 +3560,7 @@
           <a:p>
             <a:fld id="{64525298-0795-4C2D-9104-E759CABE3DAA}" type="datetime1">
               <a:rPr lang="zh-TW" altLang="en-US" smtClean="0"/>
-              <a:t>2024/6/19</a:t>
+              <a:t>2024/6/23</a:t>
             </a:fld>
             <a:endParaRPr lang="zh-TW" altLang="en-US"/>
           </a:p>
@@ -3810,7 +3810,7 @@
           <a:p>
             <a:fld id="{4152E9FD-4600-4DB1-9782-AD020AAEE909}" type="datetime1">
               <a:rPr lang="zh-TW" altLang="en-US" smtClean="0"/>
-              <a:t>2024/6/19</a:t>
+              <a:t>2024/6/23</a:t>
             </a:fld>
             <a:endParaRPr lang="zh-TW" altLang="en-US"/>
           </a:p>
@@ -4992,13 +4992,13 @@
   <p:clrMapOvr>
     <a:masterClrMapping/>
   </p:clrMapOvr>
-  <mc:AlternateContent xmlns:mc="http://schemas.openxmlformats.org/markup-compatibility/2006">
-    <mc:Choice xmlns:p159="http://schemas.microsoft.com/office/powerpoint/2015/09/main" Requires="p159">
+  <mc:AlternateContent xmlns:mc="http://schemas.openxmlformats.org/markup-compatibility/2006" xmlns:p159="http://schemas.microsoft.com/office/powerpoint/2015/09/main">
+    <mc:Choice Requires="p159">
       <p:transition spd="slow">
         <p159:morph option="byObject"/>
       </p:transition>
     </mc:Choice>
-    <mc:Fallback>
+    <mc:Fallback xmlns="">
       <p:transition spd="slow">
         <p:fade/>
       </p:transition>
@@ -5258,13 +5258,13 @@
   <p:clrMapOvr>
     <a:masterClrMapping/>
   </p:clrMapOvr>
-  <mc:AlternateContent xmlns:mc="http://schemas.openxmlformats.org/markup-compatibility/2006">
-    <mc:Choice xmlns:p159="http://schemas.microsoft.com/office/powerpoint/2015/09/main" Requires="p159">
+  <mc:AlternateContent xmlns:mc="http://schemas.openxmlformats.org/markup-compatibility/2006" xmlns:p159="http://schemas.microsoft.com/office/powerpoint/2015/09/main">
+    <mc:Choice Requires="p159">
       <p:transition spd="slow">
         <p159:morph option="byObject"/>
       </p:transition>
     </mc:Choice>
-    <mc:Fallback>
+    <mc:Fallback xmlns="">
       <p:transition spd="slow">
         <p:fade/>
       </p:transition>
@@ -5533,13 +5533,13 @@
   <p:clrMapOvr>
     <a:masterClrMapping/>
   </p:clrMapOvr>
-  <mc:AlternateContent xmlns:mc="http://schemas.openxmlformats.org/markup-compatibility/2006">
-    <mc:Choice xmlns:p159="http://schemas.microsoft.com/office/powerpoint/2015/09/main" Requires="p159">
+  <mc:AlternateContent xmlns:mc="http://schemas.openxmlformats.org/markup-compatibility/2006" xmlns:p159="http://schemas.microsoft.com/office/powerpoint/2015/09/main">
+    <mc:Choice Requires="p159">
       <p:transition spd="slow">
         <p159:morph option="byObject"/>
       </p:transition>
     </mc:Choice>
-    <mc:Fallback>
+    <mc:Fallback xmlns="">
       <p:transition spd="slow">
         <p:fade/>
       </p:transition>
@@ -5781,13 +5781,13 @@
   <p:clrMapOvr>
     <a:masterClrMapping/>
   </p:clrMapOvr>
-  <mc:AlternateContent xmlns:mc="http://schemas.openxmlformats.org/markup-compatibility/2006">
-    <mc:Choice xmlns:p159="http://schemas.microsoft.com/office/powerpoint/2015/09/main" Requires="p159">
+  <mc:AlternateContent xmlns:mc="http://schemas.openxmlformats.org/markup-compatibility/2006" xmlns:p159="http://schemas.microsoft.com/office/powerpoint/2015/09/main">
+    <mc:Choice Requires="p159">
       <p:transition spd="slow">
         <p159:morph option="byObject"/>
       </p:transition>
     </mc:Choice>
-    <mc:Fallback>
+    <mc:Fallback xmlns="">
       <p:transition spd="slow">
         <p:fade/>
       </p:transition>
@@ -6136,13 +6136,13 @@
   <p:clrMapOvr>
     <a:masterClrMapping/>
   </p:clrMapOvr>
-  <mc:AlternateContent xmlns:mc="http://schemas.openxmlformats.org/markup-compatibility/2006">
-    <mc:Choice xmlns:p159="http://schemas.microsoft.com/office/powerpoint/2015/09/main" Requires="p159">
+  <mc:AlternateContent xmlns:mc="http://schemas.openxmlformats.org/markup-compatibility/2006" xmlns:p159="http://schemas.microsoft.com/office/powerpoint/2015/09/main">
+    <mc:Choice Requires="p159">
       <p:transition spd="slow">
         <p159:morph option="byObject"/>
       </p:transition>
     </mc:Choice>
-    <mc:Fallback>
+    <mc:Fallback xmlns="">
       <p:transition spd="slow">
         <p:fade/>
       </p:transition>
@@ -13831,13 +13831,13 @@
   <p:clrMapOvr>
     <a:masterClrMapping/>
   </p:clrMapOvr>
-  <mc:AlternateContent xmlns:mc="http://schemas.openxmlformats.org/markup-compatibility/2006">
-    <mc:Choice xmlns:p159="http://schemas.microsoft.com/office/powerpoint/2015/09/main" Requires="p159">
+  <mc:AlternateContent xmlns:mc="http://schemas.openxmlformats.org/markup-compatibility/2006" xmlns:p159="http://schemas.microsoft.com/office/powerpoint/2015/09/main">
+    <mc:Choice Requires="p159">
       <p:transition spd="slow">
         <p159:morph option="byObject"/>
       </p:transition>
     </mc:Choice>
-    <mc:Fallback>
+    <mc:Fallback xmlns="">
       <p:transition spd="slow">
         <p:fade/>
       </p:transition>
@@ -17405,13 +17405,13 @@
   <p:clrMapOvr>
     <a:masterClrMapping/>
   </p:clrMapOvr>
-  <mc:AlternateContent xmlns:mc="http://schemas.openxmlformats.org/markup-compatibility/2006">
-    <mc:Choice xmlns:p159="http://schemas.microsoft.com/office/powerpoint/2015/09/main" Requires="p159">
+  <mc:AlternateContent xmlns:mc="http://schemas.openxmlformats.org/markup-compatibility/2006" xmlns:p159="http://schemas.microsoft.com/office/powerpoint/2015/09/main">
+    <mc:Choice Requires="p159">
       <p:transition spd="slow">
         <p159:morph option="byObject"/>
       </p:transition>
     </mc:Choice>
-    <mc:Fallback>
+    <mc:Fallback xmlns="">
       <p:transition spd="slow">
         <p:fade/>
       </p:transition>
